--- a/Documents/30-FirstOrderLogic.pptx
+++ b/Documents/30-FirstOrderLogic.pptx
@@ -5,13 +5,16 @@
     <p:sldMasterId id="2147483648" r:id="rId1"/>
   </p:sldMasterIdLst>
   <p:notesMasterIdLst>
-    <p:notesMasterId r:id="rId3"/>
+    <p:notesMasterId r:id="rId6"/>
   </p:notesMasterIdLst>
   <p:handoutMasterIdLst>
-    <p:handoutMasterId r:id="rId4"/>
+    <p:handoutMasterId r:id="rId7"/>
   </p:handoutMasterIdLst>
   <p:sldIdLst>
     <p:sldId id="278" r:id="rId2"/>
+    <p:sldId id="279" r:id="rId3"/>
+    <p:sldId id="280" r:id="rId4"/>
+    <p:sldId id="281" r:id="rId5"/>
   </p:sldIdLst>
   <p:sldSz cx="9144000" cy="6858000" type="screen4x3"/>
   <p:notesSz cx="6858000" cy="9144000"/>
@@ -197,7 +200,7 @@
             <a:fld id="{D83FDC75-7F73-4A4A-A77C-09AADF00E0EA}" type="datetimeFigureOut">
               <a:rPr lang="en-US" smtClean="0"/>
               <a:pPr/>
-              <a:t>5/6/18</a:t>
+              <a:t>5/11/18</a:t>
             </a:fld>
             <a:endParaRPr lang="en-US" dirty="0"/>
           </a:p>
@@ -364,7 +367,7 @@
             <a:fld id="{48AEF76B-3757-4A0B-AF93-28494465C1DD}" type="datetimeFigureOut">
               <a:rPr lang="en-US" smtClean="0"/>
               <a:pPr/>
-              <a:t>5/6/18</a:t>
+              <a:t>5/11/18</a:t>
             </a:fld>
             <a:endParaRPr lang="en-US" dirty="0"/>
           </a:p>
@@ -1252,7 +1255,7 @@
             <a:fld id="{757B281C-5159-4971-8228-52B9A72E9ED2}" type="datetimeFigureOut">
               <a:rPr lang="en-US" smtClean="0"/>
               <a:pPr/>
-              <a:t>5/6/18</a:t>
+              <a:t>5/11/18</a:t>
             </a:fld>
             <a:endParaRPr lang="en-US" dirty="0"/>
           </a:p>
@@ -1354,7 +1357,7 @@
             <a:fld id="{757B281C-5159-4971-8228-52B9A72E9ED2}" type="datetimeFigureOut">
               <a:rPr lang="en-US" smtClean="0"/>
               <a:pPr/>
-              <a:t>5/6/18</a:t>
+              <a:t>5/11/18</a:t>
             </a:fld>
             <a:endParaRPr lang="en-US" dirty="0"/>
           </a:p>
@@ -1490,7 +1493,7 @@
             <a:fld id="{757B281C-5159-4971-8228-52B9A72E9ED2}" type="datetimeFigureOut">
               <a:rPr lang="en-US" smtClean="0"/>
               <a:pPr/>
-              <a:t>5/6/18</a:t>
+              <a:t>5/11/18</a:t>
             </a:fld>
             <a:endParaRPr lang="en-US" dirty="0"/>
           </a:p>
@@ -1696,7 +1699,7 @@
             <a:fld id="{757B281C-5159-4971-8228-52B9A72E9ED2}" type="datetimeFigureOut">
               <a:rPr lang="en-US" smtClean="0"/>
               <a:pPr/>
-              <a:t>5/6/18</a:t>
+              <a:t>5/11/18</a:t>
             </a:fld>
             <a:endParaRPr lang="en-US" dirty="0"/>
           </a:p>
@@ -2076,7 +2079,7 @@
             <a:fld id="{757B281C-5159-4971-8228-52B9A72E9ED2}" type="datetimeFigureOut">
               <a:rPr lang="en-US" smtClean="0"/>
               <a:pPr/>
-              <a:t>5/6/18</a:t>
+              <a:t>5/11/18</a:t>
             </a:fld>
             <a:endParaRPr lang="en-US" dirty="0"/>
           </a:p>
@@ -2376,7 +2379,7 @@
             <a:fld id="{757B281C-5159-4971-8228-52B9A72E9ED2}" type="datetimeFigureOut">
               <a:rPr lang="en-US" smtClean="0"/>
               <a:pPr/>
-              <a:t>5/6/18</a:t>
+              <a:t>5/11/18</a:t>
             </a:fld>
             <a:endParaRPr lang="en-US" dirty="0"/>
           </a:p>
@@ -2805,7 +2808,7 @@
             <a:fld id="{757B281C-5159-4971-8228-52B9A72E9ED2}" type="datetimeFigureOut">
               <a:rPr lang="en-US" smtClean="0"/>
               <a:pPr/>
-              <a:t>5/6/18</a:t>
+              <a:t>5/11/18</a:t>
             </a:fld>
             <a:endParaRPr lang="en-US" dirty="0"/>
           </a:p>
@@ -3082,7 +3085,7 @@
             <a:fld id="{757B281C-5159-4971-8228-52B9A72E9ED2}" type="datetimeFigureOut">
               <a:rPr lang="en-US" smtClean="0"/>
               <a:pPr/>
-              <a:t>5/6/18</a:t>
+              <a:t>5/11/18</a:t>
             </a:fld>
             <a:endParaRPr lang="en-US" dirty="0"/>
           </a:p>
@@ -3346,7 +3349,7 @@
             <a:fld id="{757B281C-5159-4971-8228-52B9A72E9ED2}" type="datetimeFigureOut">
               <a:rPr lang="en-US" smtClean="0"/>
               <a:pPr/>
-              <a:t>5/6/18</a:t>
+              <a:t>5/11/18</a:t>
             </a:fld>
             <a:endParaRPr lang="en-US" dirty="0"/>
           </a:p>
@@ -3516,7 +3519,7 @@
             <a:fld id="{757B281C-5159-4971-8228-52B9A72E9ED2}" type="datetimeFigureOut">
               <a:rPr lang="en-US" smtClean="0"/>
               <a:pPr/>
-              <a:t>5/6/18</a:t>
+              <a:t>5/11/18</a:t>
             </a:fld>
             <a:endParaRPr lang="en-US" dirty="0"/>
           </a:p>
@@ -3696,7 +3699,7 @@
             <a:fld id="{757B281C-5159-4971-8228-52B9A72E9ED2}" type="datetimeFigureOut">
               <a:rPr lang="en-US" smtClean="0"/>
               <a:pPr/>
-              <a:t>5/6/18</a:t>
+              <a:t>5/11/18</a:t>
             </a:fld>
             <a:endParaRPr lang="en-US" dirty="0"/>
           </a:p>
@@ -3938,7 +3941,7 @@
             <a:fld id="{757B281C-5159-4971-8228-52B9A72E9ED2}" type="datetimeFigureOut">
               <a:rPr lang="en-US" smtClean="0"/>
               <a:pPr/>
-              <a:t>5/6/18</a:t>
+              <a:t>5/11/18</a:t>
             </a:fld>
             <a:endParaRPr lang="en-US" dirty="0"/>
           </a:p>
@@ -4374,38 +4377,57 @@
               <a:rPr lang="en-US" dirty="0" smtClean="0"/>
               <a:t>First Order Logic</a:t>
             </a:r>
-            <a:endParaRPr lang="en-US" dirty="0" smtClean="0"/>
-          </a:p>
-        </p:txBody>
-      </p:sp>
-      <p:sp>
-        <p:nvSpPr>
-          <p:cNvPr id="3" name="Content Placeholder 2"/>
-          <p:cNvSpPr>
-            <a:spLocks noGrp="1"/>
-          </p:cNvSpPr>
-          <p:nvPr>
-            <p:ph idx="1"/>
-          </p:nvPr>
-        </p:nvSpPr>
-        <p:spPr/>
-        <p:txBody>
-          <a:bodyPr>
-            <a:normAutofit/>
-          </a:bodyPr>
-          <a:lstStyle/>
-          <a:p>
-            <a:r>
-              <a:rPr lang="en-US" dirty="0" smtClean="0"/>
-              <a:t>rules</a:t>
-            </a:r>
-          </a:p>
-          <a:p>
-            <a:pPr lvl="1"/>
-            <a:endParaRPr lang="en-US" dirty="0"/>
-          </a:p>
-        </p:txBody>
-      </p:sp>
+          </a:p>
+        </p:txBody>
+      </p:sp>
+      <p:pic>
+        <p:nvPicPr>
+          <p:cNvPr id="4" name="Picture 3"/>
+          <p:cNvPicPr>
+            <a:picLocks noChangeAspect="1"/>
+          </p:cNvPicPr>
+          <p:nvPr/>
+        </p:nvPicPr>
+        <p:blipFill>
+          <a:blip r:embed="rId5"/>
+          <a:stretch>
+            <a:fillRect/>
+          </a:stretch>
+        </p:blipFill>
+        <p:spPr>
+          <a:xfrm>
+            <a:off x="304800" y="1447800"/>
+            <a:ext cx="9144000" cy="4367284"/>
+          </a:xfrm>
+          <a:prstGeom prst="rect">
+            <a:avLst/>
+          </a:prstGeom>
+        </p:spPr>
+      </p:pic>
+      <p:pic>
+        <p:nvPicPr>
+          <p:cNvPr id="5" name="Picture 4"/>
+          <p:cNvPicPr>
+            <a:picLocks noChangeAspect="1"/>
+          </p:cNvPicPr>
+          <p:nvPr/>
+        </p:nvPicPr>
+        <p:blipFill>
+          <a:blip r:embed="rId6"/>
+          <a:stretch>
+            <a:fillRect/>
+          </a:stretch>
+        </p:blipFill>
+        <p:spPr>
+          <a:xfrm>
+            <a:off x="0" y="1574800"/>
+            <a:ext cx="9144000" cy="3684896"/>
+          </a:xfrm>
+          <a:prstGeom prst="rect">
+            <a:avLst/>
+          </a:prstGeom>
+        </p:spPr>
+      </p:pic>
     </p:spTree>
     <p:custDataLst>
       <p:tags r:id="rId1"/>
@@ -4424,6 +4446,296 @@
       </p:par>
     </p:tnLst>
   </p:timing>
+</p:sld>
+</file>
+
+<file path=ppt/slides/slide2.xml><?xml version="1.0" encoding="utf-8"?>
+<p:sld xmlns:a="http://schemas.openxmlformats.org/drawingml/2006/main" xmlns:r="http://schemas.openxmlformats.org/officeDocument/2006/relationships" xmlns:p="http://schemas.openxmlformats.org/presentationml/2006/main">
+  <p:cSld>
+    <p:spTree>
+      <p:nvGrpSpPr>
+        <p:cNvPr id="1" name=""/>
+        <p:cNvGrpSpPr/>
+        <p:nvPr/>
+      </p:nvGrpSpPr>
+      <p:grpSpPr>
+        <a:xfrm>
+          <a:off x="0" y="0"/>
+          <a:ext cx="0" cy="0"/>
+          <a:chOff x="0" y="0"/>
+          <a:chExt cx="0" cy="0"/>
+        </a:xfrm>
+      </p:grpSpPr>
+      <p:sp>
+        <p:nvSpPr>
+          <p:cNvPr id="2" name="Title 1"/>
+          <p:cNvSpPr>
+            <a:spLocks noGrp="1"/>
+          </p:cNvSpPr>
+          <p:nvPr>
+            <p:ph type="title"/>
+          </p:nvPr>
+        </p:nvSpPr>
+        <p:spPr/>
+        <p:txBody>
+          <a:bodyPr/>
+          <a:lstStyle/>
+          <a:p>
+            <a:r>
+              <a:rPr lang="en-US" dirty="0" smtClean="0"/>
+              <a:t>Syntax of First Order Logic</a:t>
+            </a:r>
+            <a:endParaRPr lang="en-US" dirty="0"/>
+          </a:p>
+        </p:txBody>
+      </p:sp>
+      <p:pic>
+        <p:nvPicPr>
+          <p:cNvPr id="4" name="Picture 3"/>
+          <p:cNvPicPr>
+            <a:picLocks noChangeAspect="1"/>
+          </p:cNvPicPr>
+          <p:nvPr/>
+        </p:nvPicPr>
+        <p:blipFill>
+          <a:blip r:embed="rId2"/>
+          <a:stretch>
+            <a:fillRect/>
+          </a:stretch>
+        </p:blipFill>
+        <p:spPr>
+          <a:xfrm>
+            <a:off x="1295400" y="1612900"/>
+            <a:ext cx="6553200" cy="3619500"/>
+          </a:xfrm>
+          <a:prstGeom prst="rect">
+            <a:avLst/>
+          </a:prstGeom>
+        </p:spPr>
+      </p:pic>
+    </p:spTree>
+    <p:extLst>
+      <p:ext uri="{BB962C8B-B14F-4D97-AF65-F5344CB8AC3E}">
+        <p14:creationId xmlns:p14="http://schemas.microsoft.com/office/powerpoint/2010/main" val="1214068997"/>
+      </p:ext>
+    </p:extLst>
+  </p:cSld>
+  <p:clrMapOvr>
+    <a:masterClrMapping/>
+  </p:clrMapOvr>
+  <p:transition xmlns:p14="http://schemas.microsoft.com/office/powerpoint/2010/main" spd="slow">
+    <p:wipe dir="d"/>
+  </p:transition>
+</p:sld>
+</file>
+
+<file path=ppt/slides/slide3.xml><?xml version="1.0" encoding="utf-8"?>
+<p:sld xmlns:a="http://schemas.openxmlformats.org/drawingml/2006/main" xmlns:r="http://schemas.openxmlformats.org/officeDocument/2006/relationships" xmlns:p="http://schemas.openxmlformats.org/presentationml/2006/main">
+  <p:cSld>
+    <p:spTree>
+      <p:nvGrpSpPr>
+        <p:cNvPr id="1" name=""/>
+        <p:cNvGrpSpPr/>
+        <p:nvPr/>
+      </p:nvGrpSpPr>
+      <p:grpSpPr>
+        <a:xfrm>
+          <a:off x="0" y="0"/>
+          <a:ext cx="0" cy="0"/>
+          <a:chOff x="0" y="0"/>
+          <a:chExt cx="0" cy="0"/>
+        </a:xfrm>
+      </p:grpSpPr>
+      <p:sp>
+        <p:nvSpPr>
+          <p:cNvPr id="2" name="Title 1"/>
+          <p:cNvSpPr>
+            <a:spLocks noGrp="1"/>
+          </p:cNvSpPr>
+          <p:nvPr>
+            <p:ph type="title"/>
+          </p:nvPr>
+        </p:nvSpPr>
+        <p:spPr/>
+        <p:txBody>
+          <a:bodyPr/>
+          <a:lstStyle/>
+          <a:p>
+            <a:r>
+              <a:rPr lang="en-US" dirty="0" smtClean="0"/>
+              <a:t>Examples</a:t>
+            </a:r>
+            <a:endParaRPr lang="en-US" dirty="0"/>
+          </a:p>
+        </p:txBody>
+      </p:sp>
+      <p:pic>
+        <p:nvPicPr>
+          <p:cNvPr id="4" name="Picture 3"/>
+          <p:cNvPicPr>
+            <a:picLocks noChangeAspect="1"/>
+          </p:cNvPicPr>
+          <p:nvPr/>
+        </p:nvPicPr>
+        <p:blipFill>
+          <a:blip r:embed="rId2"/>
+          <a:stretch>
+            <a:fillRect/>
+          </a:stretch>
+        </p:blipFill>
+        <p:spPr>
+          <a:xfrm>
+            <a:off x="914399" y="1221291"/>
+            <a:ext cx="7453421" cy="4493709"/>
+          </a:xfrm>
+          <a:prstGeom prst="rect">
+            <a:avLst/>
+          </a:prstGeom>
+        </p:spPr>
+      </p:pic>
+    </p:spTree>
+    <p:extLst>
+      <p:ext uri="{BB962C8B-B14F-4D97-AF65-F5344CB8AC3E}">
+        <p14:creationId xmlns:p14="http://schemas.microsoft.com/office/powerpoint/2010/main" val="2141331494"/>
+      </p:ext>
+    </p:extLst>
+  </p:cSld>
+  <p:clrMapOvr>
+    <a:masterClrMapping/>
+  </p:clrMapOvr>
+  <p:transition xmlns:p14="http://schemas.microsoft.com/office/powerpoint/2010/main" spd="slow">
+    <p:wipe dir="d"/>
+  </p:transition>
+</p:sld>
+</file>
+
+<file path=ppt/slides/slide4.xml><?xml version="1.0" encoding="utf-8"?>
+<p:sld xmlns:a="http://schemas.openxmlformats.org/drawingml/2006/main" xmlns:r="http://schemas.openxmlformats.org/officeDocument/2006/relationships" xmlns:p="http://schemas.openxmlformats.org/presentationml/2006/main">
+  <p:cSld>
+    <p:spTree>
+      <p:nvGrpSpPr>
+        <p:cNvPr id="1" name=""/>
+        <p:cNvGrpSpPr/>
+        <p:nvPr/>
+      </p:nvGrpSpPr>
+      <p:grpSpPr>
+        <a:xfrm>
+          <a:off x="0" y="0"/>
+          <a:ext cx="0" cy="0"/>
+          <a:chOff x="0" y="0"/>
+          <a:chExt cx="0" cy="0"/>
+        </a:xfrm>
+      </p:grpSpPr>
+      <p:sp>
+        <p:nvSpPr>
+          <p:cNvPr id="2" name="Title 1"/>
+          <p:cNvSpPr>
+            <a:spLocks noGrp="1"/>
+          </p:cNvSpPr>
+          <p:nvPr>
+            <p:ph type="title"/>
+          </p:nvPr>
+        </p:nvSpPr>
+        <p:spPr/>
+        <p:txBody>
+          <a:bodyPr/>
+          <a:lstStyle/>
+          <a:p>
+            <a:r>
+              <a:rPr lang="en-US" dirty="0" smtClean="0"/>
+              <a:t>Why is this used in AI?</a:t>
+            </a:r>
+            <a:endParaRPr lang="en-US" dirty="0"/>
+          </a:p>
+        </p:txBody>
+      </p:sp>
+      <p:sp>
+        <p:nvSpPr>
+          <p:cNvPr id="3" name="Content Placeholder 2"/>
+          <p:cNvSpPr>
+            <a:spLocks noGrp="1"/>
+          </p:cNvSpPr>
+          <p:nvPr>
+            <p:ph idx="1"/>
+          </p:nvPr>
+        </p:nvSpPr>
+        <p:spPr/>
+        <p:txBody>
+          <a:bodyPr>
+            <a:normAutofit fontScale="92500"/>
+          </a:bodyPr>
+          <a:lstStyle/>
+          <a:p>
+            <a:r>
+              <a:rPr lang="en-US" dirty="0" smtClean="0"/>
+              <a:t>Allows us to reason</a:t>
+            </a:r>
+          </a:p>
+          <a:p>
+            <a:pPr lvl="1"/>
+            <a:r>
+              <a:rPr lang="en-US" dirty="0" smtClean="0"/>
+              <a:t>Derive new facts from existing facts</a:t>
+            </a:r>
+          </a:p>
+          <a:p>
+            <a:pPr lvl="1"/>
+            <a:r>
+              <a:rPr lang="en-US" dirty="0" smtClean="0"/>
+              <a:t>Check existence of facts</a:t>
+            </a:r>
+          </a:p>
+          <a:p>
+            <a:pPr lvl="1"/>
+            <a:r>
+              <a:rPr lang="en-US" dirty="0" smtClean="0"/>
+              <a:t>Adjust state of knowledge for new or retracted facts</a:t>
+            </a:r>
+          </a:p>
+          <a:p>
+            <a:pPr lvl="1"/>
+            <a:r>
+              <a:rPr lang="en-US" dirty="0" smtClean="0"/>
+              <a:t>Operates efficiently</a:t>
+            </a:r>
+          </a:p>
+          <a:p>
+            <a:pPr lvl="2"/>
+            <a:r>
+              <a:rPr lang="en-US" dirty="0" smtClean="0"/>
+              <a:t>There are well-known algorithms for updating state of knowledge.</a:t>
+            </a:r>
+          </a:p>
+          <a:p>
+            <a:pPr lvl="2"/>
+            <a:r>
+              <a:rPr lang="en-US" dirty="0" smtClean="0"/>
+              <a:t>Forward chaining</a:t>
+            </a:r>
+          </a:p>
+          <a:p>
+            <a:pPr lvl="2"/>
+            <a:r>
+              <a:rPr lang="en-US" smtClean="0"/>
+              <a:t>Backward chaining</a:t>
+            </a:r>
+            <a:endParaRPr lang="en-US" dirty="0" smtClean="0"/>
+          </a:p>
+        </p:txBody>
+      </p:sp>
+    </p:spTree>
+    <p:extLst>
+      <p:ext uri="{BB962C8B-B14F-4D97-AF65-F5344CB8AC3E}">
+        <p14:creationId xmlns:p14="http://schemas.microsoft.com/office/powerpoint/2010/main" val="4169301995"/>
+      </p:ext>
+    </p:extLst>
+  </p:cSld>
+  <p:clrMapOvr>
+    <a:masterClrMapping/>
+  </p:clrMapOvr>
+  <p:transition xmlns:p14="http://schemas.microsoft.com/office/powerpoint/2010/main" spd="slow">
+    <p:wipe dir="d"/>
+  </p:transition>
 </p:sld>
 </file>
 

--- a/Documents/30-FirstOrderLogic.pptx
+++ b/Documents/30-FirstOrderLogic.pptx
@@ -4382,7 +4382,7 @@
       </p:sp>
       <p:pic>
         <p:nvPicPr>
-          <p:cNvPr id="4" name="Picture 3"/>
+          <p:cNvPr id="5" name="Picture 4"/>
           <p:cNvPicPr>
             <a:picLocks noChangeAspect="1"/>
           </p:cNvPicPr>
@@ -4396,31 +4396,7 @@
         </p:blipFill>
         <p:spPr>
           <a:xfrm>
-            <a:off x="304800" y="1447800"/>
-            <a:ext cx="9144000" cy="4367284"/>
-          </a:xfrm>
-          <a:prstGeom prst="rect">
-            <a:avLst/>
-          </a:prstGeom>
-        </p:spPr>
-      </p:pic>
-      <p:pic>
-        <p:nvPicPr>
-          <p:cNvPr id="5" name="Picture 4"/>
-          <p:cNvPicPr>
-            <a:picLocks noChangeAspect="1"/>
-          </p:cNvPicPr>
-          <p:nvPr/>
-        </p:nvPicPr>
-        <p:blipFill>
-          <a:blip r:embed="rId6"/>
-          <a:stretch>
-            <a:fillRect/>
-          </a:stretch>
-        </p:blipFill>
-        <p:spPr>
-          <a:xfrm>
-            <a:off x="0" y="1574800"/>
+            <a:off x="152400" y="1752600"/>
             <a:ext cx="9144000" cy="3684896"/>
           </a:xfrm>
           <a:prstGeom prst="rect">
